--- a/Prototype/Beyond Limits Website.pptx
+++ b/Prototype/Beyond Limits Website.pptx
@@ -15,6 +15,7 @@
     <p:sldId id="264" r:id="rId9"/>
     <p:sldId id="263" r:id="rId10"/>
     <p:sldId id="265" r:id="rId11"/>
+    <p:sldId id="266" r:id="rId12"/>
   </p:sldIdLst>
   <p:sldSz cx="12192000" cy="6858000"/>
   <p:notesSz cx="6858000" cy="9144000"/>
@@ -121,6 +122,59 @@
 </p:presentation>
 </file>
 
+<file path=ppt/revisionInfo.xml><?xml version="1.0" encoding="utf-8"?>
+<p1510:revInfo xmlns:a="http://schemas.openxmlformats.org/drawingml/2006/main" xmlns:r="http://schemas.openxmlformats.org/officeDocument/2006/relationships" xmlns:p1510="http://schemas.microsoft.com/office/powerpoint/2015/10/main">
+  <p1510:revLst>
+    <p1510:client id="{BC4E525A-4A2A-4370-9B55-A396954D1953}" v="2" dt="2018-12-06T15:48:11.556"/>
+  </p1510:revLst>
+</p1510:revInfo>
+</file>
+
+<file path=ppt/changesInfos/changesInfo1.xml><?xml version="1.0" encoding="utf-8"?>
+<pc:chgInfo xmlns:a="http://schemas.openxmlformats.org/drawingml/2006/main" xmlns:r="http://schemas.openxmlformats.org/officeDocument/2006/relationships" xmlns:ac="http://schemas.microsoft.com/office/drawing/2013/main/command" xmlns:pc="http://schemas.microsoft.com/office/powerpoint/2013/main/command">
+  <pc:docChgLst>
+    <pc:chgData name="Jake Mortimer" userId="d3e41ce58c69e8b5" providerId="LiveId" clId="{BC4E525A-4A2A-4370-9B55-A396954D1953}"/>
+    <pc:docChg chg="custSel addSld modSld">
+      <pc:chgData name="Jake Mortimer" userId="d3e41ce58c69e8b5" providerId="LiveId" clId="{BC4E525A-4A2A-4370-9B55-A396954D1953}" dt="2018-12-06T15:49:01.648" v="24" actId="1076"/>
+      <pc:docMkLst>
+        <pc:docMk/>
+      </pc:docMkLst>
+      <pc:sldChg chg="addSp delSp modSp add">
+        <pc:chgData name="Jake Mortimer" userId="d3e41ce58c69e8b5" providerId="LiveId" clId="{BC4E525A-4A2A-4370-9B55-A396954D1953}" dt="2018-12-06T15:49:01.648" v="24" actId="1076"/>
+        <pc:sldMkLst>
+          <pc:docMk/>
+          <pc:sldMk cId="3260062322" sldId="266"/>
+        </pc:sldMkLst>
+        <pc:spChg chg="mod">
+          <ac:chgData name="Jake Mortimer" userId="d3e41ce58c69e8b5" providerId="LiveId" clId="{BC4E525A-4A2A-4370-9B55-A396954D1953}" dt="2018-12-06T15:49:01.648" v="24" actId="1076"/>
+          <ac:spMkLst>
+            <pc:docMk/>
+            <pc:sldMk cId="3260062322" sldId="266"/>
+            <ac:spMk id="2" creationId="{22C58577-DA33-46A1-A6B7-6E11A78DE95E}"/>
+          </ac:spMkLst>
+        </pc:spChg>
+        <pc:spChg chg="del">
+          <ac:chgData name="Jake Mortimer" userId="d3e41ce58c69e8b5" providerId="LiveId" clId="{BC4E525A-4A2A-4370-9B55-A396954D1953}" dt="2018-12-06T15:48:35.460" v="20" actId="478"/>
+          <ac:spMkLst>
+            <pc:docMk/>
+            <pc:sldMk cId="3260062322" sldId="266"/>
+            <ac:spMk id="3" creationId="{0CB05A63-3E83-4342-B0BF-4C096BE3E5A7}"/>
+          </ac:spMkLst>
+        </pc:spChg>
+        <pc:spChg chg="add mod">
+          <ac:chgData name="Jake Mortimer" userId="d3e41ce58c69e8b5" providerId="LiveId" clId="{BC4E525A-4A2A-4370-9B55-A396954D1953}" dt="2018-12-06T15:48:15.158" v="3" actId="20577"/>
+          <ac:spMkLst>
+            <pc:docMk/>
+            <pc:sldMk cId="3260062322" sldId="266"/>
+            <ac:spMk id="4" creationId="{207E309E-F197-40EB-90B3-EAB53CE8E906}"/>
+          </ac:spMkLst>
+        </pc:spChg>
+      </pc:sldChg>
+    </pc:docChg>
+  </pc:docChgLst>
+</pc:chgInfo>
+</file>
+
 <file path=ppt/slideLayouts/slideLayout1.xml><?xml version="1.0" encoding="utf-8"?>
 <p:sldLayout xmlns:a="http://schemas.openxmlformats.org/drawingml/2006/main" xmlns:r="http://schemas.openxmlformats.org/officeDocument/2006/relationships" xmlns:p="http://schemas.openxmlformats.org/presentationml/2006/main" type="title" preserve="1">
   <p:cSld name="Title Slide">
@@ -216,7 +270,7 @@
           <a:effectLst/>
           <a:extLst>
             <a:ext uri="{91240B29-F687-4f45-9708-019B960494DF}">
-              <a14:hiddenLine xmlns="" xmlns:a14="http://schemas.microsoft.com/office/drawing/2010/main" w="9525">
+              <a14:hiddenLine xmlns:a14="http://schemas.microsoft.com/office/drawing/2010/main" xmlns="" w="9525">
                 <a:solidFill>
                   <a:srgbClr val="000000"/>
                 </a:solidFill>
@@ -1726,7 +1780,7 @@
           <a:ln/>
           <a:extLst>
             <a:ext uri="{91240B29-F687-4f45-9708-019B960494DF}">
-              <a14:hiddenLine xmlns="" xmlns:a14="http://schemas.microsoft.com/office/drawing/2010/main" w="9525">
+              <a14:hiddenLine xmlns:a14="http://schemas.microsoft.com/office/drawing/2010/main" xmlns="" w="9525">
                 <a:solidFill>
                   <a:srgbClr val="000000"/>
                 </a:solidFill>
@@ -1998,7 +2052,7 @@
           <a:ln/>
           <a:extLst>
             <a:ext uri="{91240B29-F687-4f45-9708-019B960494DF}">
-              <a14:hiddenLine xmlns="" xmlns:a14="http://schemas.microsoft.com/office/drawing/2010/main" w="9525">
+              <a14:hiddenLine xmlns:a14="http://schemas.microsoft.com/office/drawing/2010/main" xmlns="" w="9525">
                 <a:solidFill>
                   <a:srgbClr val="000000"/>
                 </a:solidFill>
@@ -2315,7 +2369,7 @@
           <a:effectLst/>
           <a:extLst>
             <a:ext uri="{91240B29-F687-4f45-9708-019B960494DF}">
-              <a14:hiddenLine xmlns="" xmlns:a14="http://schemas.microsoft.com/office/drawing/2010/main" w="9525">
+              <a14:hiddenLine xmlns:a14="http://schemas.microsoft.com/office/drawing/2010/main" xmlns="" w="9525">
                 <a:solidFill>
                   <a:srgbClr val="000000"/>
                 </a:solidFill>
@@ -3118,7 +3172,7 @@
           <a:ln/>
           <a:extLst>
             <a:ext uri="{91240B29-F687-4f45-9708-019B960494DF}">
-              <a14:hiddenLine xmlns="" xmlns:a14="http://schemas.microsoft.com/office/drawing/2010/main" w="9525">
+              <a14:hiddenLine xmlns:a14="http://schemas.microsoft.com/office/drawing/2010/main" xmlns="" w="9525">
                 <a:solidFill>
                   <a:srgbClr val="000000"/>
                 </a:solidFill>
@@ -8192,7 +8246,7 @@
           <a:ln/>
           <a:extLst>
             <a:ext uri="{91240B29-F687-4f45-9708-019B960494DF}">
-              <a14:hiddenLine xmlns="" xmlns:a14="http://schemas.microsoft.com/office/drawing/2010/main" w="9525">
+              <a14:hiddenLine xmlns:a14="http://schemas.microsoft.com/office/drawing/2010/main" xmlns="" w="9525">
                 <a:solidFill>
                   <a:srgbClr val="000000"/>
                 </a:solidFill>
@@ -8528,7 +8582,7 @@
           <a:ln/>
           <a:extLst>
             <a:ext uri="{91240B29-F687-4f45-9708-019B960494DF}">
-              <a14:hiddenLine xmlns="" xmlns:a14="http://schemas.microsoft.com/office/drawing/2010/main" w="9525">
+              <a14:hiddenLine xmlns:a14="http://schemas.microsoft.com/office/drawing/2010/main" xmlns="" w="9525">
                 <a:solidFill>
                   <a:srgbClr val="000000"/>
                 </a:solidFill>
@@ -9002,7 +9056,7 @@
           <a:ln/>
           <a:extLst>
             <a:ext uri="{91240B29-F687-4f45-9708-019B960494DF}">
-              <a14:hiddenLine xmlns="" xmlns:a14="http://schemas.microsoft.com/office/drawing/2010/main" w="9525">
+              <a14:hiddenLine xmlns:a14="http://schemas.microsoft.com/office/drawing/2010/main" xmlns="" w="9525">
                 <a:solidFill>
                   <a:srgbClr val="000000"/>
                 </a:solidFill>
@@ -9425,7 +9479,7 @@
           <a:ln/>
           <a:extLst>
             <a:ext uri="{91240B29-F687-4f45-9708-019B960494DF}">
-              <a14:hiddenLine xmlns="" xmlns:a14="http://schemas.microsoft.com/office/drawing/2010/main" w="9525">
+              <a14:hiddenLine xmlns:a14="http://schemas.microsoft.com/office/drawing/2010/main" xmlns="" w="9525">
                 <a:solidFill>
                   <a:srgbClr val="000000"/>
                 </a:solidFill>
@@ -11961,13 +12015,13 @@
   <p:clrMapOvr>
     <a:masterClrMapping/>
   </p:clrMapOvr>
-  <mc:AlternateContent xmlns:mc="http://schemas.openxmlformats.org/markup-compatibility/2006">
-    <mc:Choice xmlns:p14="http://schemas.microsoft.com/office/powerpoint/2010/main" Requires="p14">
+  <mc:AlternateContent xmlns:mc="http://schemas.openxmlformats.org/markup-compatibility/2006" xmlns:p14="http://schemas.microsoft.com/office/powerpoint/2010/main">
+    <mc:Choice Requires="p14">
       <p:transition spd="med" p14:dur="700">
         <p:fade/>
       </p:transition>
     </mc:Choice>
-    <mc:Fallback>
+    <mc:Fallback xmlns="">
       <p:transition spd="med">
         <p:fade/>
       </p:transition>
@@ -12219,13 +12273,13 @@
   <p:clrMapOvr>
     <a:masterClrMapping/>
   </p:clrMapOvr>
-  <mc:AlternateContent xmlns:mc="http://schemas.openxmlformats.org/markup-compatibility/2006">
-    <mc:Choice xmlns:p14="http://schemas.microsoft.com/office/powerpoint/2010/main" Requires="p14">
+  <mc:AlternateContent xmlns:mc="http://schemas.openxmlformats.org/markup-compatibility/2006" xmlns:p14="http://schemas.microsoft.com/office/powerpoint/2010/main">
+    <mc:Choice Requires="p14">
       <p:transition spd="med" p14:dur="700">
         <p:fade/>
       </p:transition>
     </mc:Choice>
-    <mc:Fallback>
+    <mc:Fallback xmlns="">
       <p:transition spd="med">
         <p:fade/>
       </p:transition>
@@ -13200,13 +13254,13 @@
   <p:clrMapOvr>
     <a:masterClrMapping/>
   </p:clrMapOvr>
-  <mc:AlternateContent xmlns:mc="http://schemas.openxmlformats.org/markup-compatibility/2006">
-    <mc:Choice xmlns:p14="http://schemas.microsoft.com/office/powerpoint/2010/main" Requires="p14">
+  <mc:AlternateContent xmlns:mc="http://schemas.openxmlformats.org/markup-compatibility/2006" xmlns:p14="http://schemas.microsoft.com/office/powerpoint/2010/main">
+    <mc:Choice Requires="p14">
       <p:transition spd="med" p14:dur="700">
         <p:fade/>
       </p:transition>
     </mc:Choice>
-    <mc:Fallback>
+    <mc:Fallback xmlns="">
       <p:transition spd="med">
         <p:fade/>
       </p:transition>
@@ -13957,13 +14011,13 @@
   <p:clrMapOvr>
     <a:masterClrMapping/>
   </p:clrMapOvr>
-  <mc:AlternateContent xmlns:mc="http://schemas.openxmlformats.org/markup-compatibility/2006">
-    <mc:Choice xmlns:p14="http://schemas.microsoft.com/office/powerpoint/2010/main" Requires="p14">
+  <mc:AlternateContent xmlns:mc="http://schemas.openxmlformats.org/markup-compatibility/2006" xmlns:p14="http://schemas.microsoft.com/office/powerpoint/2010/main">
+    <mc:Choice Requires="p14">
       <p:transition spd="med" p14:dur="700">
         <p:fade/>
       </p:transition>
     </mc:Choice>
-    <mc:Fallback>
+    <mc:Fallback xmlns="">
       <p:transition spd="med">
         <p:fade/>
       </p:transition>
@@ -14634,13 +14688,13 @@
   <p:clrMapOvr>
     <a:masterClrMapping/>
   </p:clrMapOvr>
-  <mc:AlternateContent xmlns:mc="http://schemas.openxmlformats.org/markup-compatibility/2006">
-    <mc:Choice xmlns:p14="http://schemas.microsoft.com/office/powerpoint/2010/main" Requires="p14">
+  <mc:AlternateContent xmlns:mc="http://schemas.openxmlformats.org/markup-compatibility/2006" xmlns:p14="http://schemas.microsoft.com/office/powerpoint/2010/main">
+    <mc:Choice Requires="p14">
       <p:transition spd="med" p14:dur="700">
         <p:fade/>
       </p:transition>
     </mc:Choice>
-    <mc:Fallback>
+    <mc:Fallback xmlns="">
       <p:transition spd="med">
         <p:fade/>
       </p:transition>
@@ -15381,13 +15435,13 @@
   <p:clrMapOvr>
     <a:masterClrMapping/>
   </p:clrMapOvr>
-  <mc:AlternateContent xmlns:mc="http://schemas.openxmlformats.org/markup-compatibility/2006">
-    <mc:Choice xmlns:p14="http://schemas.microsoft.com/office/powerpoint/2010/main" Requires="p14">
+  <mc:AlternateContent xmlns:mc="http://schemas.openxmlformats.org/markup-compatibility/2006" xmlns:p14="http://schemas.microsoft.com/office/powerpoint/2010/main">
+    <mc:Choice Requires="p14">
       <p:transition spd="med" p14:dur="700">
         <p:fade/>
       </p:transition>
     </mc:Choice>
-    <mc:Fallback>
+    <mc:Fallback xmlns="">
       <p:transition spd="med">
         <p:fade/>
       </p:transition>
@@ -16263,13 +16317,13 @@
   <p:clrMapOvr>
     <a:masterClrMapping/>
   </p:clrMapOvr>
-  <mc:AlternateContent xmlns:mc="http://schemas.openxmlformats.org/markup-compatibility/2006">
-    <mc:Choice xmlns:p14="http://schemas.microsoft.com/office/powerpoint/2010/main" Requires="p14">
+  <mc:AlternateContent xmlns:mc="http://schemas.openxmlformats.org/markup-compatibility/2006" xmlns:p14="http://schemas.microsoft.com/office/powerpoint/2010/main">
+    <mc:Choice Requires="p14">
       <p:transition spd="med" p14:dur="700">
         <p:fade/>
       </p:transition>
     </mc:Choice>
-    <mc:Fallback>
+    <mc:Fallback xmlns="">
       <p:transition spd="med">
         <p:fade/>
       </p:transition>
@@ -16991,13 +17045,13 @@
   <p:clrMapOvr>
     <a:masterClrMapping/>
   </p:clrMapOvr>
-  <mc:AlternateContent xmlns:mc="http://schemas.openxmlformats.org/markup-compatibility/2006">
-    <mc:Choice xmlns:p14="http://schemas.microsoft.com/office/powerpoint/2010/main" Requires="p14">
+  <mc:AlternateContent xmlns:mc="http://schemas.openxmlformats.org/markup-compatibility/2006" xmlns:p14="http://schemas.microsoft.com/office/powerpoint/2010/main">
+    <mc:Choice Requires="p14">
       <p:transition spd="med" p14:dur="700">
         <p:fade/>
       </p:transition>
     </mc:Choice>
-    <mc:Fallback>
+    <mc:Fallback xmlns="">
       <p:transition spd="med">
         <p:fade/>
       </p:transition>
@@ -17445,6 +17499,104 @@
       </p:par>
     </p:tnLst>
   </p:timing>
+</p:sld>
+</file>
+
+<file path=ppt/slides/slide9.xml><?xml version="1.0" encoding="utf-8"?>
+<p:sld xmlns:a="http://schemas.openxmlformats.org/drawingml/2006/main" xmlns:r="http://schemas.openxmlformats.org/officeDocument/2006/relationships" xmlns:p="http://schemas.openxmlformats.org/presentationml/2006/main">
+  <p:cSld>
+    <p:spTree>
+      <p:nvGrpSpPr>
+        <p:cNvPr id="1" name=""/>
+        <p:cNvGrpSpPr/>
+        <p:nvPr/>
+      </p:nvGrpSpPr>
+      <p:grpSpPr>
+        <a:xfrm>
+          <a:off x="0" y="0"/>
+          <a:ext cx="0" cy="0"/>
+          <a:chOff x="0" y="0"/>
+          <a:chExt cx="0" cy="0"/>
+        </a:xfrm>
+      </p:grpSpPr>
+      <p:sp>
+        <p:nvSpPr>
+          <p:cNvPr id="2" name="Title 1">
+            <a:extLst>
+              <a:ext uri="{FF2B5EF4-FFF2-40B4-BE49-F238E27FC236}">
+                <a16:creationId xmlns:a16="http://schemas.microsoft.com/office/drawing/2014/main" id="{22C58577-DA33-46A1-A6B7-6E11A78DE95E}"/>
+              </a:ext>
+            </a:extLst>
+          </p:cNvPr>
+          <p:cNvSpPr>
+            <a:spLocks noGrp="1"/>
+          </p:cNvSpPr>
+          <p:nvPr>
+            <p:ph type="title"/>
+          </p:nvPr>
+        </p:nvSpPr>
+        <p:spPr>
+          <a:xfrm>
+            <a:off x="3176589" y="2616676"/>
+            <a:ext cx="9404723" cy="1400530"/>
+          </a:xfrm>
+        </p:spPr>
+        <p:txBody>
+          <a:bodyPr/>
+          <a:lstStyle/>
+          <a:p>
+            <a:r>
+              <a:rPr lang="en-GB" dirty="0"/>
+              <a:t>User Stories!!!</a:t>
+            </a:r>
+          </a:p>
+        </p:txBody>
+      </p:sp>
+      <p:sp>
+        <p:nvSpPr>
+          <p:cNvPr id="4" name="TextBox 3">
+            <a:extLst>
+              <a:ext uri="{FF2B5EF4-FFF2-40B4-BE49-F238E27FC236}">
+                <a16:creationId xmlns:a16="http://schemas.microsoft.com/office/drawing/2014/main" id="{207E309E-F197-40EB-90B3-EAB53CE8E906}"/>
+              </a:ext>
+            </a:extLst>
+          </p:cNvPr>
+          <p:cNvSpPr txBox="1"/>
+          <p:nvPr/>
+        </p:nvSpPr>
+        <p:spPr>
+          <a:xfrm>
+            <a:off x="10585940" y="334108"/>
+            <a:ext cx="589084" cy="553998"/>
+          </a:xfrm>
+          <a:prstGeom prst="rect">
+            <a:avLst/>
+          </a:prstGeom>
+          <a:noFill/>
+        </p:spPr>
+        <p:txBody>
+          <a:bodyPr wrap="square" rtlCol="0">
+            <a:spAutoFit/>
+          </a:bodyPr>
+          <a:lstStyle/>
+          <a:p>
+            <a:r>
+              <a:rPr lang="en-GB" sz="3000" dirty="0"/>
+              <a:t>9</a:t>
+            </a:r>
+          </a:p>
+        </p:txBody>
+      </p:sp>
+    </p:spTree>
+    <p:extLst>
+      <p:ext uri="{BB962C8B-B14F-4D97-AF65-F5344CB8AC3E}">
+        <p14:creationId xmlns:p14="http://schemas.microsoft.com/office/powerpoint/2010/main" val="3260062322"/>
+      </p:ext>
+    </p:extLst>
+  </p:cSld>
+  <p:clrMapOvr>
+    <a:masterClrMapping/>
+  </p:clrMapOvr>
 </p:sld>
 </file>
 
